--- a/apresentacoes/Reunião_Orientação_TCC 11_11_2022.pptx
+++ b/apresentacoes/Reunião_Orientação_TCC 11_11_2022.pptx
@@ -401,7 +401,7 @@
           <a:p>
             <a:fld id="{588D7303-1349-4B3B-906B-0AD17F7A84D3}" type="datetimeFigureOut">
               <a:rPr lang="pt-BR" smtClean="0"/>
-              <a:t>10/11/2022</a:t>
+              <a:t>11/11/2022</a:t>
             </a:fld>
             <a:endParaRPr lang="pt-BR"/>
           </a:p>
@@ -609,7 +609,7 @@
           <a:p>
             <a:fld id="{588D7303-1349-4B3B-906B-0AD17F7A84D3}" type="datetimeFigureOut">
               <a:rPr lang="pt-BR" smtClean="0"/>
-              <a:t>10/11/2022</a:t>
+              <a:t>11/11/2022</a:t>
             </a:fld>
             <a:endParaRPr lang="pt-BR"/>
           </a:p>
@@ -807,7 +807,7 @@
           <a:p>
             <a:fld id="{588D7303-1349-4B3B-906B-0AD17F7A84D3}" type="datetimeFigureOut">
               <a:rPr lang="pt-BR" smtClean="0"/>
-              <a:t>10/11/2022</a:t>
+              <a:t>11/11/2022</a:t>
             </a:fld>
             <a:endParaRPr lang="pt-BR"/>
           </a:p>
@@ -1082,7 +1082,7 @@
           <a:p>
             <a:fld id="{588D7303-1349-4B3B-906B-0AD17F7A84D3}" type="datetimeFigureOut">
               <a:rPr lang="pt-BR" smtClean="0"/>
-              <a:t>10/11/2022</a:t>
+              <a:t>11/11/2022</a:t>
             </a:fld>
             <a:endParaRPr lang="pt-BR"/>
           </a:p>
@@ -1347,7 +1347,7 @@
           <a:p>
             <a:fld id="{588D7303-1349-4B3B-906B-0AD17F7A84D3}" type="datetimeFigureOut">
               <a:rPr lang="pt-BR" smtClean="0"/>
-              <a:t>10/11/2022</a:t>
+              <a:t>11/11/2022</a:t>
             </a:fld>
             <a:endParaRPr lang="pt-BR"/>
           </a:p>
@@ -1759,7 +1759,7 @@
           <a:p>
             <a:fld id="{588D7303-1349-4B3B-906B-0AD17F7A84D3}" type="datetimeFigureOut">
               <a:rPr lang="pt-BR" smtClean="0"/>
-              <a:t>10/11/2022</a:t>
+              <a:t>11/11/2022</a:t>
             </a:fld>
             <a:endParaRPr lang="pt-BR"/>
           </a:p>
@@ -1900,7 +1900,7 @@
           <a:p>
             <a:fld id="{588D7303-1349-4B3B-906B-0AD17F7A84D3}" type="datetimeFigureOut">
               <a:rPr lang="pt-BR" smtClean="0"/>
-              <a:t>10/11/2022</a:t>
+              <a:t>11/11/2022</a:t>
             </a:fld>
             <a:endParaRPr lang="pt-BR"/>
           </a:p>
@@ -2013,7 +2013,7 @@
           <a:p>
             <a:fld id="{588D7303-1349-4B3B-906B-0AD17F7A84D3}" type="datetimeFigureOut">
               <a:rPr lang="pt-BR" smtClean="0"/>
-              <a:t>10/11/2022</a:t>
+              <a:t>11/11/2022</a:t>
             </a:fld>
             <a:endParaRPr lang="pt-BR"/>
           </a:p>
@@ -2324,7 +2324,7 @@
           <a:p>
             <a:fld id="{588D7303-1349-4B3B-906B-0AD17F7A84D3}" type="datetimeFigureOut">
               <a:rPr lang="pt-BR" smtClean="0"/>
-              <a:t>10/11/2022</a:t>
+              <a:t>11/11/2022</a:t>
             </a:fld>
             <a:endParaRPr lang="pt-BR"/>
           </a:p>
@@ -2612,7 +2612,7 @@
           <a:p>
             <a:fld id="{588D7303-1349-4B3B-906B-0AD17F7A84D3}" type="datetimeFigureOut">
               <a:rPr lang="pt-BR" smtClean="0"/>
-              <a:t>10/11/2022</a:t>
+              <a:t>11/11/2022</a:t>
             </a:fld>
             <a:endParaRPr lang="pt-BR"/>
           </a:p>
@@ -2862,7 +2862,7 @@
           <a:p>
             <a:fld id="{588D7303-1349-4B3B-906B-0AD17F7A84D3}" type="datetimeFigureOut">
               <a:rPr lang="pt-BR" smtClean="0"/>
-              <a:t>10/11/2022</a:t>
+              <a:t>11/11/2022</a:t>
             </a:fld>
             <a:endParaRPr lang="pt-BR"/>
           </a:p>
@@ -3408,7 +3408,7 @@
         </p:spPr>
         <p:txBody>
           <a:bodyPr>
-            <a:normAutofit/>
+            <a:normAutofit lnSpcReduction="10000"/>
           </a:bodyPr>
           <a:lstStyle/>
           <a:p>
@@ -3450,7 +3450,7 @@
             <a:pPr lvl="1"/>
             <a:r>
               <a:rPr lang="pt-BR" sz="3200" dirty="0"/>
-              <a:t>Evoluir a prova de conceito para projeto TCC</a:t>
+              <a:t>Evoluir a prova de conceito para o nível de projeto TCC</a:t>
             </a:r>
           </a:p>
           <a:p>
@@ -3458,6 +3458,13 @@
             <a:r>
               <a:rPr lang="pt-BR" sz="3200" dirty="0"/>
               <a:t>Concretizar o estabelecido em material e métodos</a:t>
+            </a:r>
+          </a:p>
+          <a:p>
+            <a:pPr lvl="1"/>
+            <a:r>
+              <a:rPr lang="pt-BR" sz="3200" dirty="0"/>
+              <a:t>Entrega dos resultados preliminares ( início de FEV/23 )</a:t>
             </a:r>
           </a:p>
           <a:p>
